--- a/weekly_dashboard/dashboard-04-13.pptx
+++ b/weekly_dashboard/dashboard-04-13.pptx
@@ -209,7 +209,7 @@
           <a:p>
             <a:fld id="{6B5ADEEA-2554-3649-A5FC-F8BE9CAFE9B8}" type="datetimeFigureOut">
               <a:rPr lang="en-US" smtClean="0"/>
-              <a:t>4/12/2018</a:t>
+              <a:t>4/13/2018</a:t>
             </a:fld>
             <a:endParaRPr lang="en-US"/>
           </a:p>
@@ -701,7 +701,7 @@
           <a:p>
             <a:fld id="{B8394864-8E61-46E1-AE6F-DC9B03139954}" type="datetimeFigureOut">
               <a:rPr lang="en-US" smtClean="0"/>
-              <a:t>4/12/2018</a:t>
+              <a:t>4/13/2018</a:t>
             </a:fld>
             <a:endParaRPr lang="en-US"/>
           </a:p>
@@ -869,7 +869,7 @@
           <a:p>
             <a:fld id="{B8394864-8E61-46E1-AE6F-DC9B03139954}" type="datetimeFigureOut">
               <a:rPr lang="en-US" smtClean="0"/>
-              <a:t>4/12/2018</a:t>
+              <a:t>4/13/2018</a:t>
             </a:fld>
             <a:endParaRPr lang="en-US"/>
           </a:p>
@@ -1047,7 +1047,7 @@
           <a:p>
             <a:fld id="{B8394864-8E61-46E1-AE6F-DC9B03139954}" type="datetimeFigureOut">
               <a:rPr lang="en-US" smtClean="0"/>
-              <a:t>4/12/2018</a:t>
+              <a:t>4/13/2018</a:t>
             </a:fld>
             <a:endParaRPr lang="en-US"/>
           </a:p>
@@ -1215,7 +1215,7 @@
           <a:p>
             <a:fld id="{B8394864-8E61-46E1-AE6F-DC9B03139954}" type="datetimeFigureOut">
               <a:rPr lang="en-US" smtClean="0"/>
-              <a:t>4/12/2018</a:t>
+              <a:t>4/13/2018</a:t>
             </a:fld>
             <a:endParaRPr lang="en-US"/>
           </a:p>
@@ -1460,7 +1460,7 @@
           <a:p>
             <a:fld id="{B8394864-8E61-46E1-AE6F-DC9B03139954}" type="datetimeFigureOut">
               <a:rPr lang="en-US" smtClean="0"/>
-              <a:t>4/12/2018</a:t>
+              <a:t>4/13/2018</a:t>
             </a:fld>
             <a:endParaRPr lang="en-US"/>
           </a:p>
@@ -1689,7 +1689,7 @@
           <a:p>
             <a:fld id="{B8394864-8E61-46E1-AE6F-DC9B03139954}" type="datetimeFigureOut">
               <a:rPr lang="en-US" smtClean="0"/>
-              <a:t>4/12/2018</a:t>
+              <a:t>4/13/2018</a:t>
             </a:fld>
             <a:endParaRPr lang="en-US"/>
           </a:p>
@@ -2053,7 +2053,7 @@
           <a:p>
             <a:fld id="{B8394864-8E61-46E1-AE6F-DC9B03139954}" type="datetimeFigureOut">
               <a:rPr lang="en-US" smtClean="0"/>
-              <a:t>4/12/2018</a:t>
+              <a:t>4/13/2018</a:t>
             </a:fld>
             <a:endParaRPr lang="en-US"/>
           </a:p>
@@ -2170,7 +2170,7 @@
           <a:p>
             <a:fld id="{B8394864-8E61-46E1-AE6F-DC9B03139954}" type="datetimeFigureOut">
               <a:rPr lang="en-US" smtClean="0"/>
-              <a:t>4/12/2018</a:t>
+              <a:t>4/13/2018</a:t>
             </a:fld>
             <a:endParaRPr lang="en-US"/>
           </a:p>
@@ -2265,7 +2265,7 @@
           <a:p>
             <a:fld id="{B8394864-8E61-46E1-AE6F-DC9B03139954}" type="datetimeFigureOut">
               <a:rPr lang="en-US" smtClean="0"/>
-              <a:t>4/12/2018</a:t>
+              <a:t>4/13/2018</a:t>
             </a:fld>
             <a:endParaRPr lang="en-US"/>
           </a:p>
@@ -2540,7 +2540,7 @@
           <a:p>
             <a:fld id="{B8394864-8E61-46E1-AE6F-DC9B03139954}" type="datetimeFigureOut">
               <a:rPr lang="en-US" smtClean="0"/>
-              <a:t>4/12/2018</a:t>
+              <a:t>4/13/2018</a:t>
             </a:fld>
             <a:endParaRPr lang="en-US"/>
           </a:p>
@@ -2792,7 +2792,7 @@
           <a:p>
             <a:fld id="{B8394864-8E61-46E1-AE6F-DC9B03139954}" type="datetimeFigureOut">
               <a:rPr lang="en-US" smtClean="0"/>
-              <a:t>4/12/2018</a:t>
+              <a:t>4/13/2018</a:t>
             </a:fld>
             <a:endParaRPr lang="en-US"/>
           </a:p>
@@ -3003,7 +3003,7 @@
           <a:p>
             <a:fld id="{B8394864-8E61-46E1-AE6F-DC9B03139954}" type="datetimeFigureOut">
               <a:rPr lang="en-US" smtClean="0"/>
-              <a:t>4/12/2018</a:t>
+              <a:t>4/13/2018</a:t>
             </a:fld>
             <a:endParaRPr lang="en-US"/>
           </a:p>
@@ -4029,7 +4029,7 @@
         <p:spPr>
           <a:xfrm>
             <a:off x="6095998" y="4589120"/>
-            <a:ext cx="5190067" cy="646331"/>
+            <a:ext cx="5190067" cy="923330"/>
           </a:xfrm>
           <a:prstGeom prst="rect">
             <a:avLst/>
@@ -4066,7 +4066,17 @@
             </a:pPr>
             <a:r>
               <a:rPr lang="en-US" dirty="0"/>
-              <a:t>Find more novel attacks</a:t>
+              <a:t>Studied phone registration process</a:t>
+            </a:r>
+          </a:p>
+          <a:p>
+            <a:pPr marL="285750" indent="-285750">
+              <a:buFont typeface="Arial" panose="020B0604020202020204" pitchFamily="34" charset="0"/>
+              <a:buChar char="•"/>
+            </a:pPr>
+            <a:r>
+              <a:rPr lang="en-US" dirty="0"/>
+              <a:t>Find novel attacks</a:t>
             </a:r>
           </a:p>
         </p:txBody>
@@ -4590,7 +4600,7 @@
         <p:spPr>
           <a:xfrm>
             <a:off x="889099" y="2365799"/>
-            <a:ext cx="5190067" cy="646331"/>
+            <a:ext cx="5190067" cy="1200329"/>
           </a:xfrm>
           <a:prstGeom prst="rect">
             <a:avLst/>
@@ -4619,7 +4629,17 @@
             </a:pPr>
             <a:r>
               <a:rPr lang="en-US" dirty="0"/>
-              <a:t>Build communication profile using two phones</a:t>
+              <a:t>Built communication profiles using three phones</a:t>
+            </a:r>
+          </a:p>
+          <a:p>
+            <a:pPr marL="285750" indent="-285750">
+              <a:buFont typeface="Arial" panose="020B0604020202020204" pitchFamily="34" charset="0"/>
+              <a:buChar char="•"/>
+            </a:pPr>
+            <a:r>
+              <a:rPr lang="en-US" dirty="0"/>
+              <a:t>Phone registration uses 3 servers: 1 of them uses HTTP</a:t>
             </a:r>
           </a:p>
         </p:txBody>
@@ -4633,7 +4653,7 @@
         <p:spPr>
           <a:xfrm>
             <a:off x="838198" y="4658723"/>
-            <a:ext cx="5190067" cy="646331"/>
+            <a:ext cx="5190067" cy="923330"/>
           </a:xfrm>
           <a:prstGeom prst="rect">
             <a:avLst/>
@@ -4652,7 +4672,17 @@
             </a:pPr>
             <a:r>
               <a:rPr lang="en-US" dirty="0"/>
-              <a:t>N/A</a:t>
+              <a:t>Setting up another computer</a:t>
+            </a:r>
+          </a:p>
+          <a:p>
+            <a:pPr marL="285750" indent="-285750">
+              <a:buFont typeface="Arial" panose="020B0604020202020204" pitchFamily="34" charset="0"/>
+              <a:buChar char="•"/>
+            </a:pPr>
+            <a:r>
+              <a:rPr lang="en-US" dirty="0"/>
+              <a:t>Larger group size </a:t>
             </a:r>
           </a:p>
           <a:p>
@@ -4692,7 +4722,7 @@
             </a:pPr>
             <a:r>
               <a:rPr lang="en-US" dirty="0"/>
-              <a:t>Can vulnerabilities in TLS 1.2 be used in a “big” way?</a:t>
+              <a:t>Are there vulnerabilities during phone registration process?</a:t>
             </a:r>
           </a:p>
           <a:p>
@@ -4702,7 +4732,7 @@
             </a:pPr>
             <a:r>
               <a:rPr lang="en-US" dirty="0"/>
-              <a:t>Can the key exchange between the server and phones be exploited?</a:t>
+              <a:t>Can vulnerabilities in TLS 1.2 be used in a “big” way?</a:t>
             </a:r>
           </a:p>
         </p:txBody>
@@ -4722,7 +4752,7 @@
         <p:spPr>
           <a:xfrm>
             <a:off x="6129667" y="2443828"/>
-            <a:ext cx="5190067" cy="369332"/>
+            <a:ext cx="5190067" cy="646331"/>
           </a:xfrm>
           <a:prstGeom prst="rect">
             <a:avLst/>
@@ -4742,6 +4772,16 @@
             <a:r>
               <a:rPr lang="en-US" dirty="0"/>
               <a:t>Research for more novel methods</a:t>
+            </a:r>
+          </a:p>
+          <a:p>
+            <a:pPr marL="285750" indent="-285750">
+              <a:buFont typeface="Arial" panose="020B0604020202020204" pitchFamily="34" charset="0"/>
+              <a:buChar char="•"/>
+            </a:pPr>
+            <a:r>
+              <a:rPr lang="en-US" dirty="0"/>
+              <a:t>Research SIP registration</a:t>
             </a:r>
           </a:p>
         </p:txBody>

--- a/weekly_dashboard/dashboard-04-13.pptx
+++ b/weekly_dashboard/dashboard-04-13.pptx
@@ -4600,7 +4600,7 @@
         <p:spPr>
           <a:xfrm>
             <a:off x="889099" y="2365799"/>
-            <a:ext cx="5190067" cy="1200329"/>
+            <a:ext cx="5190067" cy="1477328"/>
           </a:xfrm>
           <a:prstGeom prst="rect">
             <a:avLst/>
@@ -4640,6 +4640,16 @@
             <a:r>
               <a:rPr lang="en-US" dirty="0"/>
               <a:t>Phone registration uses 3 servers: 1 of them uses HTTP</a:t>
+            </a:r>
+          </a:p>
+          <a:p>
+            <a:pPr marL="285750" indent="-285750">
+              <a:buFont typeface="Arial" panose="020B0604020202020204" pitchFamily="34" charset="0"/>
+              <a:buChar char="•"/>
+            </a:pPr>
+            <a:r>
+              <a:rPr lang="en-US" dirty="0"/>
+              <a:t>*Found papers on vulnerabilities for TLS</a:t>
             </a:r>
           </a:p>
         </p:txBody>
@@ -4752,7 +4762,7 @@
         <p:spPr>
           <a:xfrm>
             <a:off x="6129667" y="2443828"/>
-            <a:ext cx="5190067" cy="646331"/>
+            <a:ext cx="5190067" cy="1477328"/>
           </a:xfrm>
           <a:prstGeom prst="rect">
             <a:avLst/>
@@ -4782,6 +4792,36 @@
             <a:r>
               <a:rPr lang="en-US" dirty="0"/>
               <a:t>Research SIP registration</a:t>
+            </a:r>
+          </a:p>
+          <a:p>
+            <a:pPr marL="742950" lvl="1" indent="-285750">
+              <a:buFont typeface="Arial" panose="020B0604020202020204" pitchFamily="34" charset="0"/>
+              <a:buChar char="•"/>
+            </a:pPr>
+            <a:r>
+              <a:rPr lang="en-US" dirty="0"/>
+              <a:t>Intercept key</a:t>
+            </a:r>
+          </a:p>
+          <a:p>
+            <a:pPr marL="285750" indent="-285750">
+              <a:buFont typeface="Arial" panose="020B0604020202020204" pitchFamily="34" charset="0"/>
+              <a:buChar char="•"/>
+            </a:pPr>
+            <a:r>
+              <a:rPr lang="en-US" dirty="0"/>
+              <a:t>*Research Cisco patches for TLS/SSL</a:t>
+            </a:r>
+          </a:p>
+          <a:p>
+            <a:pPr marL="742950" lvl="1" indent="-285750">
+              <a:buFont typeface="Arial" panose="020B0604020202020204" pitchFamily="34" charset="0"/>
+              <a:buChar char="•"/>
+            </a:pPr>
+            <a:r>
+              <a:rPr lang="en-US" dirty="0"/>
+              <a:t>Are there any outside leaks using TLS/SSL?</a:t>
             </a:r>
           </a:p>
         </p:txBody>
